--- a/SEGUNDO CORTE/Articulo sobre Analisis de sentimientos.pptx
+++ b/SEGUNDO CORTE/Articulo sobre Analisis de sentimientos.pptx
@@ -250,6 +250,11 @@
       </a:defRPr>
     </a:lvl9pPr>
   </p:defaultTextStyle>
+  <p:extLst>
+    <p:ext uri="{EFAFB233-063F-42B5-8137-9DF3F51BA10A}">
+      <p15:sldGuideLst xmlns:p15="http://schemas.microsoft.com/office/powerpoint/2012/main"/>
+    </p:ext>
+  </p:extLst>
 </p:presentation>
 </file>
 
@@ -12434,31 +12439,7 @@
                 <a:cs typeface="Calibri"/>
                 <a:sym typeface="Calibri"/>
               </a:rPr>
-              <a:t>Santiago </a:t>
-            </a:r>
-            <a:r>
-              <a:rPr lang="es-ES" sz="2000" b="0" i="1" u="none" strike="noStrike" cap="none" dirty="0" err="1">
-                <a:solidFill>
-                  <a:schemeClr val="lt1"/>
-                </a:solidFill>
-                <a:latin typeface="Calibri"/>
-                <a:ea typeface="Calibri"/>
-                <a:cs typeface="Calibri"/>
-                <a:sym typeface="Calibri"/>
-              </a:rPr>
-              <a:t>Jimenez</a:t>
-            </a:r>
-            <a:r>
-              <a:rPr lang="es-ES" sz="2000" b="0" i="1" u="none" strike="noStrike" cap="none" dirty="0">
-                <a:solidFill>
-                  <a:schemeClr val="lt1"/>
-                </a:solidFill>
-                <a:latin typeface="Calibri"/>
-                <a:ea typeface="Calibri"/>
-                <a:cs typeface="Calibri"/>
-                <a:sym typeface="Calibri"/>
-              </a:rPr>
-              <a:t> Ortega – </a:t>
+              <a:t>Santiago Jiménez Ortega – </a:t>
             </a:r>
             <a:r>
               <a:rPr lang="es-ES" sz="2000" b="1" i="1" u="none" strike="noStrike" cap="none" dirty="0">
@@ -13851,18 +13832,6 @@
               <a:buNone/>
             </a:pPr>
             <a:r>
-              <a:rPr lang="es-ES" sz="3200" b="1" dirty="0" err="1">
-                <a:solidFill>
-                  <a:srgbClr val="FFC000"/>
-                </a:solidFill>
-                <a:latin typeface="Calibri"/>
-                <a:ea typeface="Calibri"/>
-                <a:cs typeface="Calibri"/>
-                <a:sym typeface="Calibri"/>
-              </a:rPr>
-              <a:t>Colcusiones</a:t>
-            </a:r>
-            <a:r>
               <a:rPr lang="es-ES" sz="3200" b="1" dirty="0">
                 <a:solidFill>
                   <a:srgbClr val="FFC000"/>
@@ -13872,7 +13841,7 @@
                 <a:cs typeface="Calibri"/>
                 <a:sym typeface="Calibri"/>
               </a:rPr>
-              <a:t> </a:t>
+              <a:t>Conclusiones </a:t>
             </a:r>
             <a:endParaRPr sz="3200" b="1" dirty="0">
               <a:solidFill>
